--- a/Slides.pptx
+++ b/Slides.pptx
@@ -238,7 +238,7 @@
           <a:p>
             <a:fld id="{10FE1C5B-BD29-4389-B4F5-58E7AFAF47C5}" type="datetimeFigureOut">
               <a:rPr lang="en-US" smtClean="0"/>
-              <a:t>8/2/2023</a:t>
+              <a:t>8/4/2023</a:t>
             </a:fld>
             <a:endParaRPr lang="en-US"/>
           </a:p>
@@ -692,7 +692,7 @@
           <a:p>
             <a:fld id="{4AAD347D-5ACD-4C99-B74B-A9C85AD731AF}" type="datetimeFigureOut">
               <a:rPr lang="en-US" dirty="0"/>
-              <a:t>8/2/2023</a:t>
+              <a:t>8/4/2023</a:t>
             </a:fld>
             <a:endParaRPr lang="en-US" dirty="0"/>
           </a:p>
@@ -962,7 +962,7 @@
           <a:p>
             <a:fld id="{4509A250-FF31-4206-8172-F9D3106AACB1}" type="datetimeFigureOut">
               <a:rPr lang="en-US" dirty="0"/>
-              <a:t>8/2/2023</a:t>
+              <a:t>8/4/2023</a:t>
             </a:fld>
             <a:endParaRPr lang="en-US" dirty="0"/>
           </a:p>
@@ -1151,7 +1151,7 @@
           <a:p>
             <a:fld id="{4509A250-FF31-4206-8172-F9D3106AACB1}" type="datetimeFigureOut">
               <a:rPr lang="en-US" dirty="0"/>
-              <a:t>8/2/2023</a:t>
+              <a:t>8/4/2023</a:t>
             </a:fld>
             <a:endParaRPr lang="en-US" dirty="0"/>
           </a:p>
@@ -1419,7 +1419,7 @@
           <a:p>
             <a:fld id="{4509A250-FF31-4206-8172-F9D3106AACB1}" type="datetimeFigureOut">
               <a:rPr lang="en-US" dirty="0"/>
-              <a:t>8/2/2023</a:t>
+              <a:t>8/4/2023</a:t>
             </a:fld>
             <a:endParaRPr lang="en-US" dirty="0"/>
           </a:p>
@@ -1755,7 +1755,7 @@
           <a:p>
             <a:fld id="{4509A250-FF31-4206-8172-F9D3106AACB1}" type="datetimeFigureOut">
               <a:rPr lang="en-US" dirty="0"/>
-              <a:t>8/2/2023</a:t>
+              <a:t>8/4/2023</a:t>
             </a:fld>
             <a:endParaRPr lang="en-US" dirty="0"/>
           </a:p>
@@ -2373,7 +2373,7 @@
           <a:p>
             <a:fld id="{4509A250-FF31-4206-8172-F9D3106AACB1}" type="datetimeFigureOut">
               <a:rPr lang="en-US" dirty="0"/>
-              <a:t>8/2/2023</a:t>
+              <a:t>8/4/2023</a:t>
             </a:fld>
             <a:endParaRPr lang="en-US" dirty="0"/>
           </a:p>
@@ -3228,7 +3228,7 @@
           <a:p>
             <a:fld id="{4509A250-FF31-4206-8172-F9D3106AACB1}" type="datetimeFigureOut">
               <a:rPr lang="en-US" dirty="0"/>
-              <a:t>8/2/2023</a:t>
+              <a:t>8/4/2023</a:t>
             </a:fld>
             <a:endParaRPr lang="en-US" dirty="0"/>
           </a:p>
@@ -3393,7 +3393,7 @@
           <a:p>
             <a:fld id="{4509A250-FF31-4206-8172-F9D3106AACB1}" type="datetimeFigureOut">
               <a:rPr lang="en-US" dirty="0"/>
-              <a:t>8/2/2023</a:t>
+              <a:t>8/4/2023</a:t>
             </a:fld>
             <a:endParaRPr lang="en-US" dirty="0"/>
           </a:p>
@@ -3568,7 +3568,7 @@
           <a:p>
             <a:fld id="{4509A250-FF31-4206-8172-F9D3106AACB1}" type="datetimeFigureOut">
               <a:rPr lang="en-US" dirty="0"/>
-              <a:t>8/2/2023</a:t>
+              <a:t>8/4/2023</a:t>
             </a:fld>
             <a:endParaRPr lang="en-US" dirty="0"/>
           </a:p>
@@ -3733,7 +3733,7 @@
           <a:p>
             <a:fld id="{4509A250-FF31-4206-8172-F9D3106AACB1}" type="datetimeFigureOut">
               <a:rPr lang="en-US" dirty="0"/>
-              <a:t>8/2/2023</a:t>
+              <a:t>8/4/2023</a:t>
             </a:fld>
             <a:endParaRPr lang="en-US" dirty="0"/>
           </a:p>
@@ -3975,7 +3975,7 @@
           <a:p>
             <a:fld id="{9796027F-7875-4030-9381-8BD8C4F21935}" type="datetimeFigureOut">
               <a:rPr lang="en-US" dirty="0"/>
-              <a:t>8/2/2023</a:t>
+              <a:t>8/4/2023</a:t>
             </a:fld>
             <a:endParaRPr lang="en-US" dirty="0"/>
           </a:p>
@@ -4262,7 +4262,7 @@
           <a:p>
             <a:fld id="{9796027F-7875-4030-9381-8BD8C4F21935}" type="datetimeFigureOut">
               <a:rPr lang="en-US" dirty="0"/>
-              <a:t>8/2/2023</a:t>
+              <a:t>8/4/2023</a:t>
             </a:fld>
             <a:endParaRPr lang="en-US" dirty="0"/>
           </a:p>
@@ -4701,7 +4701,7 @@
           <a:p>
             <a:fld id="{9796027F-7875-4030-9381-8BD8C4F21935}" type="datetimeFigureOut">
               <a:rPr lang="en-US" dirty="0"/>
-              <a:t>8/2/2023</a:t>
+              <a:t>8/4/2023</a:t>
             </a:fld>
             <a:endParaRPr lang="en-US" dirty="0"/>
           </a:p>
@@ -4814,7 +4814,7 @@
           <a:p>
             <a:fld id="{4509A250-FF31-4206-8172-F9D3106AACB1}" type="datetimeFigureOut">
               <a:rPr lang="en-US" dirty="0"/>
-              <a:t>8/2/2023</a:t>
+              <a:t>8/4/2023</a:t>
             </a:fld>
             <a:endParaRPr lang="en-US" dirty="0"/>
           </a:p>
@@ -4904,7 +4904,7 @@
           <a:p>
             <a:fld id="{4509A250-FF31-4206-8172-F9D3106AACB1}" type="datetimeFigureOut">
               <a:rPr lang="en-US" dirty="0"/>
-              <a:t>8/2/2023</a:t>
+              <a:t>8/4/2023</a:t>
             </a:fld>
             <a:endParaRPr lang="en-US" dirty="0"/>
           </a:p>
@@ -5178,7 +5178,7 @@
           <a:p>
             <a:fld id="{4509A250-FF31-4206-8172-F9D3106AACB1}" type="datetimeFigureOut">
               <a:rPr lang="en-US" dirty="0"/>
-              <a:t>8/2/2023</a:t>
+              <a:t>8/4/2023</a:t>
             </a:fld>
             <a:endParaRPr lang="en-US" dirty="0"/>
           </a:p>
@@ -5448,7 +5448,7 @@
           <a:p>
             <a:fld id="{4509A250-FF31-4206-8172-F9D3106AACB1}" type="datetimeFigureOut">
               <a:rPr lang="en-US" dirty="0"/>
-              <a:t>8/2/2023</a:t>
+              <a:t>8/4/2023</a:t>
             </a:fld>
             <a:endParaRPr lang="en-US" dirty="0"/>
           </a:p>
@@ -5872,7 +5872,7 @@
           <a:p>
             <a:fld id="{4AAD347D-5ACD-4C99-B74B-A9C85AD731AF}" type="datetimeFigureOut">
               <a:rPr lang="en-US" dirty="0"/>
-              <a:t>8/2/2023</a:t>
+              <a:t>8/4/2023</a:t>
             </a:fld>
             <a:endParaRPr lang="en-US" dirty="0"/>
           </a:p>
@@ -6832,19 +6832,19 @@
                 <a:latin typeface="Times New Roman" panose="02020603050405020304" pitchFamily="18" charset="0"/>
                 <a:cs typeface="Times New Roman" panose="02020603050405020304" pitchFamily="18" charset="0"/>
               </a:rPr>
-              <a:t>/Real-time </a:t>
-            </a:r>
-            <a:r>
-              <a:rPr lang="en-US" smtClean="0">
+              <a:t>/Real-time Recognition</a:t>
+            </a:r>
+            <a:r>
+              <a:rPr lang="vi-VN" smtClean="0">
                 <a:solidFill>
                   <a:srgbClr val="00B0F0"/>
                 </a:solidFill>
                 <a:latin typeface="Times New Roman" panose="02020603050405020304" pitchFamily="18" charset="0"/>
                 <a:cs typeface="Times New Roman" panose="02020603050405020304" pitchFamily="18" charset="0"/>
               </a:rPr>
-              <a:t>Recognition</a:t>
-            </a:r>
-            <a:r>
+              <a:t/>
+            </a:r>
+            <a:br>
               <a:rPr lang="vi-VN" smtClean="0">
                 <a:solidFill>
                   <a:srgbClr val="00B0F0"/>
@@ -6852,6 +6852,99 @@
                 <a:latin typeface="Times New Roman" panose="02020603050405020304" pitchFamily="18" charset="0"/>
                 <a:cs typeface="Times New Roman" panose="02020603050405020304" pitchFamily="18" charset="0"/>
               </a:rPr>
+            </a:br>
+            <a:r>
+              <a:rPr lang="vi-VN" sz="2400">
+                <a:solidFill>
+                  <a:schemeClr val="tx1"/>
+                </a:solidFill>
+                <a:cs typeface="Times New Roman" panose="02020603050405020304" pitchFamily="18" charset="0"/>
+              </a:rPr>
+              <a:t>- </a:t>
+            </a:r>
+            <a:r>
+              <a:rPr lang="vi-VN" sz="2400" smtClean="0">
+                <a:solidFill>
+                  <a:schemeClr val="tx1"/>
+                </a:solidFill>
+                <a:cs typeface="Times New Roman" panose="02020603050405020304" pitchFamily="18" charset="0"/>
+              </a:rPr>
+              <a:t> File </a:t>
+            </a:r>
+            <a:r>
+              <a:rPr lang="vi-VN" sz="2400">
+                <a:solidFill>
+                  <a:schemeClr val="tx1"/>
+                </a:solidFill>
+                <a:cs typeface="Times New Roman" panose="02020603050405020304" pitchFamily="18" charset="0"/>
+              </a:rPr>
+              <a:t>sử dụng: </a:t>
+            </a:r>
+            <a:r>
+              <a:rPr lang="vi-VN" sz="2400">
+                <a:solidFill>
+                  <a:schemeClr val="tx1"/>
+                </a:solidFill>
+                <a:latin typeface="Courier New" panose="02070309020205020404" pitchFamily="49" charset="0"/>
+                <a:cs typeface="Courier New" panose="02070309020205020404" pitchFamily="49" charset="0"/>
+              </a:rPr>
+              <a:t>Preprocess_Image.py</a:t>
+            </a:r>
+            <a:r>
+              <a:rPr lang="vi-VN">
+                <a:solidFill>
+                  <a:srgbClr val="00B0F0"/>
+                </a:solidFill>
+                <a:cs typeface="Times New Roman" panose="02020603050405020304" pitchFamily="18" charset="0"/>
+              </a:rPr>
+              <a:t/>
+            </a:r>
+            <a:br>
+              <a:rPr lang="vi-VN">
+                <a:solidFill>
+                  <a:srgbClr val="00B0F0"/>
+                </a:solidFill>
+                <a:cs typeface="Times New Roman" panose="02020603050405020304" pitchFamily="18" charset="0"/>
+              </a:rPr>
+            </a:br>
+            <a:r>
+              <a:rPr lang="en-US" sz="2400" smtClean="0">
+                <a:solidFill>
+                  <a:schemeClr val="tx1"/>
+                </a:solidFill>
+                <a:latin typeface="Times New Roman" panose="02020603050405020304" pitchFamily="18" charset="0"/>
+                <a:cs typeface="Times New Roman" panose="02020603050405020304" pitchFamily="18" charset="0"/>
+              </a:rPr>
+              <a:t>-</a:t>
+            </a:r>
+            <a:r>
+              <a:rPr lang="vi-VN" sz="2400" smtClean="0">
+                <a:solidFill>
+                  <a:schemeClr val="tx1"/>
+                </a:solidFill>
+                <a:latin typeface="Times New Roman" panose="02020603050405020304" pitchFamily="18" charset="0"/>
+                <a:cs typeface="Times New Roman" panose="02020603050405020304" pitchFamily="18" charset="0"/>
+              </a:rPr>
+              <a:t>  </a:t>
+            </a:r>
+            <a:r>
+              <a:rPr lang="vi-VN" sz="2400">
+                <a:solidFill>
+                  <a:schemeClr val="tx1"/>
+                </a:solidFill>
+                <a:latin typeface="Times New Roman" panose="02020603050405020304" pitchFamily="18" charset="0"/>
+                <a:cs typeface="Times New Roman" panose="02020603050405020304" pitchFamily="18" charset="0"/>
+              </a:rPr>
+              <a:t>Tạo hàm trích xuất 10 landmarks tương tự</a:t>
+            </a:r>
+            <a:r>
+              <a:rPr lang="vi-VN" smtClean="0">
+                <a:solidFill>
+                  <a:srgbClr val="00B0F0"/>
+                </a:solidFill>
+                <a:latin typeface="Times New Roman" panose="02020603050405020304" pitchFamily="18" charset="0"/>
+                <a:cs typeface="Times New Roman" panose="02020603050405020304" pitchFamily="18" charset="0"/>
+              </a:rPr>
               <a:t/>
             </a:r>
             <a:br>
@@ -6864,60 +6957,6 @@
               </a:rPr>
             </a:br>
             <a:r>
-              <a:rPr lang="vi-VN" sz="2400">
-                <a:solidFill>
-                  <a:schemeClr val="tx1"/>
-                </a:solidFill>
-                <a:cs typeface="Times New Roman" panose="02020603050405020304" pitchFamily="18" charset="0"/>
-              </a:rPr>
-              <a:t>- </a:t>
-            </a:r>
-            <a:r>
-              <a:rPr lang="vi-VN" sz="2400" smtClean="0">
-                <a:solidFill>
-                  <a:schemeClr val="tx1"/>
-                </a:solidFill>
-                <a:cs typeface="Times New Roman" panose="02020603050405020304" pitchFamily="18" charset="0"/>
-              </a:rPr>
-              <a:t> File </a:t>
-            </a:r>
-            <a:r>
-              <a:rPr lang="vi-VN" sz="2400">
-                <a:solidFill>
-                  <a:schemeClr val="tx1"/>
-                </a:solidFill>
-                <a:cs typeface="Times New Roman" panose="02020603050405020304" pitchFamily="18" charset="0"/>
-              </a:rPr>
-              <a:t>sử dụng: </a:t>
-            </a:r>
-            <a:r>
-              <a:rPr lang="vi-VN" sz="2400">
-                <a:solidFill>
-                  <a:schemeClr val="tx1"/>
-                </a:solidFill>
-                <a:latin typeface="Courier New" panose="02070309020205020404" pitchFamily="49" charset="0"/>
-                <a:cs typeface="Courier New" panose="02070309020205020404" pitchFamily="49" charset="0"/>
-              </a:rPr>
-              <a:t>Preprocess_Image.py</a:t>
-            </a:r>
-            <a:r>
-              <a:rPr lang="vi-VN">
-                <a:solidFill>
-                  <a:srgbClr val="00B0F0"/>
-                </a:solidFill>
-                <a:cs typeface="Times New Roman" panose="02020603050405020304" pitchFamily="18" charset="0"/>
-              </a:rPr>
-              <a:t/>
-            </a:r>
-            <a:br>
-              <a:rPr lang="vi-VN">
-                <a:solidFill>
-                  <a:srgbClr val="00B0F0"/>
-                </a:solidFill>
-                <a:cs typeface="Times New Roman" panose="02020603050405020304" pitchFamily="18" charset="0"/>
-              </a:rPr>
-            </a:br>
-            <a:r>
               <a:rPr lang="en-US" sz="2400" smtClean="0">
                 <a:solidFill>
                   <a:schemeClr val="tx1"/>
@@ -6935,85 +6974,16 @@
                 <a:latin typeface="Times New Roman" panose="02020603050405020304" pitchFamily="18" charset="0"/>
                 <a:cs typeface="Times New Roman" panose="02020603050405020304" pitchFamily="18" charset="0"/>
               </a:rPr>
-              <a:t>  </a:t>
-            </a:r>
-            <a:r>
-              <a:rPr lang="vi-VN" sz="2400">
+              <a:t>  Tạo function nhận vào 1 batch ảnh gồm 32 tấm, trả ra True label là ký tự được dự đoán nhiều nhất trong 32 tấm ảnh input.</a:t>
+            </a:r>
+            <a:br>
+              <a:rPr lang="vi-VN" sz="2400" smtClean="0">
                 <a:solidFill>
                   <a:schemeClr val="tx1"/>
                 </a:solidFill>
                 <a:latin typeface="Times New Roman" panose="02020603050405020304" pitchFamily="18" charset="0"/>
                 <a:cs typeface="Times New Roman" panose="02020603050405020304" pitchFamily="18" charset="0"/>
               </a:rPr>
-              <a:t>Tạo hàm trích xuất 10 landmarks tương tự</a:t>
-            </a:r>
-            <a:r>
-              <a:rPr lang="vi-VN" smtClean="0">
-                <a:solidFill>
-                  <a:srgbClr val="00B0F0"/>
-                </a:solidFill>
-                <a:latin typeface="Times New Roman" panose="02020603050405020304" pitchFamily="18" charset="0"/>
-                <a:cs typeface="Times New Roman" panose="02020603050405020304" pitchFamily="18" charset="0"/>
-              </a:rPr>
-              <a:t/>
-            </a:r>
-            <a:br>
-              <a:rPr lang="vi-VN" smtClean="0">
-                <a:solidFill>
-                  <a:srgbClr val="00B0F0"/>
-                </a:solidFill>
-                <a:latin typeface="Times New Roman" panose="02020603050405020304" pitchFamily="18" charset="0"/>
-                <a:cs typeface="Times New Roman" panose="02020603050405020304" pitchFamily="18" charset="0"/>
-              </a:rPr>
-            </a:br>
-            <a:r>
-              <a:rPr lang="en-US" sz="2400" smtClean="0">
-                <a:solidFill>
-                  <a:schemeClr val="tx1"/>
-                </a:solidFill>
-                <a:latin typeface="Times New Roman" panose="02020603050405020304" pitchFamily="18" charset="0"/>
-                <a:cs typeface="Times New Roman" panose="02020603050405020304" pitchFamily="18" charset="0"/>
-              </a:rPr>
-              <a:t>-</a:t>
-            </a:r>
-            <a:r>
-              <a:rPr lang="vi-VN" sz="2400" smtClean="0">
-                <a:solidFill>
-                  <a:schemeClr val="tx1"/>
-                </a:solidFill>
-                <a:latin typeface="Times New Roman" panose="02020603050405020304" pitchFamily="18" charset="0"/>
-                <a:cs typeface="Times New Roman" panose="02020603050405020304" pitchFamily="18" charset="0"/>
-              </a:rPr>
-              <a:t> </a:t>
-            </a:r>
-            <a:r>
-              <a:rPr lang="vi-VN" sz="2400" smtClean="0">
-                <a:solidFill>
-                  <a:schemeClr val="tx1"/>
-                </a:solidFill>
-                <a:latin typeface="Times New Roman" panose="02020603050405020304" pitchFamily="18" charset="0"/>
-                <a:cs typeface="Times New Roman" panose="02020603050405020304" pitchFamily="18" charset="0"/>
-              </a:rPr>
-              <a:t> Tạo </a:t>
-            </a:r>
-            <a:r>
-              <a:rPr lang="vi-VN" sz="2400" smtClean="0">
-                <a:solidFill>
-                  <a:schemeClr val="tx1"/>
-                </a:solidFill>
-                <a:latin typeface="Times New Roman" panose="02020603050405020304" pitchFamily="18" charset="0"/>
-                <a:cs typeface="Times New Roman" panose="02020603050405020304" pitchFamily="18" charset="0"/>
-              </a:rPr>
-              <a:t>function nhận vào 1 batch ảnh gồm 32 tấm, trả ra True label là ký tự được dự đoán nhiều nhất trong 32 tấm ảnh input.</a:t>
-            </a:r>
-            <a:br>
-              <a:rPr lang="vi-VN" sz="2400" smtClean="0">
-                <a:solidFill>
-                  <a:schemeClr val="tx1"/>
-                </a:solidFill>
-                <a:latin typeface="Times New Roman" panose="02020603050405020304" pitchFamily="18" charset="0"/>
-                <a:cs typeface="Times New Roman" panose="02020603050405020304" pitchFamily="18" charset="0"/>
-              </a:rPr>
             </a:br>
             <a:r>
               <a:rPr lang="en-US" sz="1800">
@@ -7377,20 +7347,7 @@
                 <a:latin typeface="Courier New" panose="02070309020205020404" pitchFamily="49" charset="0"/>
                 <a:cs typeface="Courier New" panose="02070309020205020404" pitchFamily="49" charset="0"/>
               </a:rPr>
-              <a:t>= max(label_counts,key=label_counts.get</a:t>
-            </a:r>
-            <a:r>
-              <a:rPr lang="en-US" sz="1800" smtClean="0">
-                <a:solidFill>
-                  <a:schemeClr val="accent1">
-                    <a:lumMod val="20000"/>
-                    <a:lumOff val="80000"/>
-                  </a:schemeClr>
-                </a:solidFill>
-                <a:latin typeface="Courier New" panose="02070309020205020404" pitchFamily="49" charset="0"/>
-                <a:cs typeface="Courier New" panose="02070309020205020404" pitchFamily="49" charset="0"/>
-              </a:rPr>
-              <a:t>)</a:t>
+              <a:t>= max(label_counts,key=label_counts.get)</a:t>
             </a:r>
             <a:r>
               <a:rPr lang="en-US" sz="1800">
@@ -7639,17 +7596,7 @@
                 <a:latin typeface="Times New Roman" panose="02020603050405020304" pitchFamily="18" charset="0"/>
                 <a:cs typeface="Times New Roman" panose="02020603050405020304" pitchFamily="18" charset="0"/>
               </a:rPr>
-              <a:t>Controlling </a:t>
-            </a:r>
-            <a:r>
-              <a:rPr lang="vi-VN" smtClean="0">
-                <a:solidFill>
-                  <a:srgbClr val="00B0F0"/>
-                </a:solidFill>
-                <a:latin typeface="Times New Roman" panose="02020603050405020304" pitchFamily="18" charset="0"/>
-                <a:cs typeface="Times New Roman" panose="02020603050405020304" pitchFamily="18" charset="0"/>
-              </a:rPr>
-              <a:t>Keyboard</a:t>
+              <a:t>Controlling Keyboard</a:t>
             </a:r>
             <a:br>
               <a:rPr lang="vi-VN" smtClean="0">
@@ -8235,14 +8182,7 @@
                 <a:latin typeface="+mj-lt"/>
                 <a:cs typeface="Times New Roman" panose="02020603050405020304" pitchFamily="18" charset="0"/>
               </a:rPr>
-              <a:t>- </a:t>
-            </a:r>
-            <a:r>
-              <a:rPr lang="vi-VN" sz="2400" smtClean="0">
-                <a:latin typeface="+mj-lt"/>
-                <a:cs typeface="Times New Roman" panose="02020603050405020304" pitchFamily="18" charset="0"/>
-              </a:rPr>
-              <a:t>Sử </a:t>
+              <a:t>- Sử </a:t>
             </a:r>
             <a:r>
               <a:rPr lang="vi-VN" sz="2400">
@@ -8680,13 +8620,13 @@
         </p:nvSpPr>
         <p:spPr>
           <a:xfrm>
-            <a:off x="646111" y="1298713"/>
-            <a:ext cx="10287872" cy="729069"/>
+            <a:off x="646111" y="1298711"/>
+            <a:ext cx="10287872" cy="2120349"/>
           </a:xfrm>
         </p:spPr>
         <p:txBody>
           <a:bodyPr>
-            <a:normAutofit fontScale="85000" lnSpcReduction="20000"/>
+            <a:normAutofit fontScale="92500" lnSpcReduction="20000"/>
           </a:bodyPr>
           <a:lstStyle/>
           <a:p>
@@ -8695,15 +8635,49 @@
             </a:pPr>
             <a:r>
               <a:rPr lang="vi-VN" sz="2400" smtClean="0"/>
-              <a:t>- File sử dụng: </a:t>
+              <a:t>- </a:t>
+            </a:r>
+            <a:r>
+              <a:rPr lang="vi-VN" sz="2400" smtClean="0"/>
+              <a:t>   File </a:t>
+            </a:r>
+            <a:r>
+              <a:rPr lang="vi-VN" sz="2400" smtClean="0"/>
+              <a:t>sử dụng</a:t>
+            </a:r>
+            <a:r>
+              <a:rPr lang="vi-VN" sz="2400" smtClean="0"/>
+              <a:t>:</a:t>
+            </a:r>
+            <a:r>
+              <a:rPr lang="en-US" sz="2400" smtClean="0"/>
+              <a:t> </a:t>
+            </a:r>
+            <a:r>
+              <a:rPr lang="en-US" sz="2400" smtClean="0">
+                <a:latin typeface="Courier New" panose="02070309020205020404" pitchFamily="49" charset="0"/>
+                <a:cs typeface="Courier New" panose="02070309020205020404" pitchFamily="49" charset="0"/>
+              </a:rPr>
+              <a:t>ASL</a:t>
             </a:r>
             <a:r>
               <a:rPr lang="vi-VN" sz="2400" smtClean="0">
                 <a:latin typeface="Courier New" panose="02070309020205020404" pitchFamily="49" charset="0"/>
                 <a:cs typeface="Courier New" panose="02070309020205020404" pitchFamily="49" charset="0"/>
               </a:rPr>
-              <a:t>thucthi.py</a:t>
-            </a:r>
+              <a:t>.</a:t>
+            </a:r>
+            <a:r>
+              <a:rPr lang="en-US" sz="2400" smtClean="0">
+                <a:latin typeface="Courier New" panose="02070309020205020404" pitchFamily="49" charset="0"/>
+                <a:cs typeface="Courier New" panose="02070309020205020404" pitchFamily="49" charset="0"/>
+              </a:rPr>
+              <a:t>spec</a:t>
+            </a:r>
+            <a:endParaRPr lang="vi-VN" sz="2400" smtClean="0">
+              <a:latin typeface="Courier New" panose="02070309020205020404" pitchFamily="49" charset="0"/>
+              <a:cs typeface="Courier New" panose="02070309020205020404" pitchFamily="49" charset="0"/>
+            </a:endParaRPr>
           </a:p>
           <a:p>
             <a:pPr marL="0" indent="0">
@@ -8711,287 +8685,106 @@
             </a:pPr>
             <a:r>
               <a:rPr lang="vi-VN" sz="2400" smtClean="0"/>
-              <a:t>- Sử dụng thư viện </a:t>
+              <a:t>- </a:t>
+            </a:r>
+            <a:r>
+              <a:rPr lang="vi-VN" sz="2400" smtClean="0"/>
+              <a:t>   Sử </a:t>
+            </a:r>
+            <a:r>
+              <a:rPr lang="vi-VN" sz="2400" smtClean="0"/>
+              <a:t>dụng thư viện </a:t>
             </a:r>
             <a:r>
               <a:rPr lang="en-US" sz="2400" smtClean="0">
                 <a:latin typeface="Courier New" panose="02070309020205020404" pitchFamily="49" charset="0"/>
                 <a:cs typeface="Courier New" panose="02070309020205020404" pitchFamily="49" charset="0"/>
               </a:rPr>
-              <a:t>cx_Freeze</a:t>
+              <a:t>pyinstaller</a:t>
+            </a:r>
+            <a:r>
+              <a:rPr lang="en-US" sz="2400" smtClean="0"/>
+              <a:t> </a:t>
             </a:r>
             <a:r>
               <a:rPr lang="vi-VN" sz="2400" smtClean="0">
                 <a:cs typeface="Times New Roman" panose="02020603050405020304" pitchFamily="18" charset="0"/>
               </a:rPr>
-              <a:t> để chuyển tác bộ code thành tập tin .exe:</a:t>
+              <a:t>để </a:t>
+            </a:r>
+            <a:r>
+              <a:rPr lang="vi-VN" sz="2400" smtClean="0">
+                <a:cs typeface="Times New Roman" panose="02020603050405020304" pitchFamily="18" charset="0"/>
+              </a:rPr>
+              <a:t>chuyển tác bộ code thành tập tin .exe:</a:t>
             </a:r>
             <a:endParaRPr lang="en-US" sz="2400">
               <a:cs typeface="Times New Roman" panose="02020603050405020304" pitchFamily="18" charset="0"/>
             </a:endParaRPr>
           </a:p>
           <a:p>
-            <a:pPr marL="0" indent="0">
-              <a:buNone/>
+            <a:pPr>
+              <a:buFontTx/>
+              <a:buChar char="-"/>
             </a:pPr>
-            <a:endParaRPr lang="en-US" sz="2400"/>
-          </a:p>
-        </p:txBody>
-      </p:sp>
-      <p:sp>
-        <p:nvSpPr>
-          <p:cNvPr id="6" name="Rectangle 5"/>
-          <p:cNvSpPr/>
-          <p:nvPr/>
-        </p:nvSpPr>
-        <p:spPr>
-          <a:xfrm>
-            <a:off x="646110" y="2027782"/>
-            <a:ext cx="7053402" cy="3970318"/>
-          </a:xfrm>
-          <a:prstGeom prst="rect">
-            <a:avLst/>
-          </a:prstGeom>
-        </p:spPr>
-        <p:txBody>
-          <a:bodyPr wrap="square">
-            <a:spAutoFit/>
-          </a:bodyPr>
-          <a:lstStyle/>
-          <a:p>
-            <a:r>
-              <a:rPr lang="en-US" smtClean="0">
-                <a:solidFill>
-                  <a:schemeClr val="accent1">
-                    <a:lumMod val="20000"/>
-                    <a:lumOff val="80000"/>
-                  </a:schemeClr>
-                </a:solidFill>
-                <a:latin typeface="Courier New" panose="02070309020205020404" pitchFamily="49" charset="0"/>
-                <a:cs typeface="Courier New" panose="02070309020205020404" pitchFamily="49" charset="0"/>
-              </a:rPr>
-              <a:t>target </a:t>
-            </a:r>
-            <a:r>
-              <a:rPr lang="en-US">
-                <a:solidFill>
-                  <a:schemeClr val="accent1">
-                    <a:lumMod val="20000"/>
-                    <a:lumOff val="80000"/>
-                  </a:schemeClr>
-                </a:solidFill>
-                <a:latin typeface="Courier New" panose="02070309020205020404" pitchFamily="49" charset="0"/>
-                <a:cs typeface="Courier New" panose="02070309020205020404" pitchFamily="49" charset="0"/>
-              </a:rPr>
-              <a:t>= Executable(</a:t>
-            </a:r>
-          </a:p>
-          <a:p>
-            <a:r>
-              <a:rPr lang="en-US">
-                <a:solidFill>
-                  <a:schemeClr val="accent1">
-                    <a:lumMod val="20000"/>
-                    <a:lumOff val="80000"/>
-                  </a:schemeClr>
-                </a:solidFill>
-                <a:latin typeface="Courier New" panose="02070309020205020404" pitchFamily="49" charset="0"/>
-                <a:cs typeface="Courier New" panose="02070309020205020404" pitchFamily="49" charset="0"/>
-              </a:rPr>
-              <a:t>    script="Main.py",</a:t>
-            </a:r>
-          </a:p>
-          <a:p>
-            <a:r>
-              <a:rPr lang="en-US">
-                <a:solidFill>
-                  <a:schemeClr val="accent1">
-                    <a:lumMod val="20000"/>
-                    <a:lumOff val="80000"/>
-                  </a:schemeClr>
-                </a:solidFill>
-                <a:latin typeface="Courier New" panose="02070309020205020404" pitchFamily="49" charset="0"/>
-                <a:cs typeface="Courier New" panose="02070309020205020404" pitchFamily="49" charset="0"/>
-              </a:rPr>
-              <a:t>    base="Win32GUI",</a:t>
-            </a:r>
-          </a:p>
-          <a:p>
-            <a:r>
-              <a:rPr lang="en-US">
-                <a:solidFill>
-                  <a:schemeClr val="accent1">
-                    <a:lumMod val="20000"/>
-                    <a:lumOff val="80000"/>
-                  </a:schemeClr>
-                </a:solidFill>
-                <a:latin typeface="Courier New" panose="02070309020205020404" pitchFamily="49" charset="0"/>
-                <a:cs typeface="Courier New" panose="02070309020205020404" pitchFamily="49" charset="0"/>
-              </a:rPr>
-              <a:t>    icon="image\icon.ico",</a:t>
-            </a:r>
-          </a:p>
-          <a:p>
-            <a:r>
-              <a:rPr lang="en-US">
-                <a:solidFill>
-                  <a:schemeClr val="accent1">
-                    <a:lumMod val="20000"/>
-                    <a:lumOff val="80000"/>
-                  </a:schemeClr>
-                </a:solidFill>
-                <a:latin typeface="Courier New" panose="02070309020205020404" pitchFamily="49" charset="0"/>
-                <a:cs typeface="Courier New" panose="02070309020205020404" pitchFamily="49" charset="0"/>
-              </a:rPr>
-              <a:t>    target_name="ASL.exe")</a:t>
-            </a:r>
-          </a:p>
-          <a:p>
-            <a:endParaRPr lang="en-US">
-              <a:solidFill>
-                <a:schemeClr val="accent1">
-                  <a:lumMod val="20000"/>
-                  <a:lumOff val="80000"/>
-                </a:schemeClr>
-              </a:solidFill>
-              <a:latin typeface="Courier New" panose="02070309020205020404" pitchFamily="49" charset="0"/>
-              <a:cs typeface="Courier New" panose="02070309020205020404" pitchFamily="49" charset="0"/>
-            </a:endParaRPr>
-          </a:p>
-          <a:p>
-            <a:r>
-              <a:rPr lang="en-US">
-                <a:solidFill>
-                  <a:schemeClr val="accent1">
-                    <a:lumMod val="20000"/>
-                    <a:lumOff val="80000"/>
-                  </a:schemeClr>
-                </a:solidFill>
-                <a:latin typeface="Courier New" panose="02070309020205020404" pitchFamily="49" charset="0"/>
-                <a:cs typeface="Courier New" panose="02070309020205020404" pitchFamily="49" charset="0"/>
-              </a:rPr>
-              <a:t>setup(</a:t>
-            </a:r>
-          </a:p>
-          <a:p>
-            <a:r>
-              <a:rPr lang="en-US">
-                <a:solidFill>
-                  <a:schemeClr val="accent1">
-                    <a:lumMod val="20000"/>
-                    <a:lumOff val="80000"/>
-                  </a:schemeClr>
-                </a:solidFill>
-                <a:latin typeface="Courier New" panose="02070309020205020404" pitchFamily="49" charset="0"/>
-                <a:cs typeface="Courier New" panose="02070309020205020404" pitchFamily="49" charset="0"/>
-              </a:rPr>
-              <a:t>    name="Velvet",</a:t>
-            </a:r>
-          </a:p>
-          <a:p>
-            <a:r>
-              <a:rPr lang="en-US">
-                <a:solidFill>
-                  <a:schemeClr val="accent1">
-                    <a:lumMod val="20000"/>
-                    <a:lumOff val="80000"/>
-                  </a:schemeClr>
-                </a:solidFill>
-                <a:latin typeface="Courier New" panose="02070309020205020404" pitchFamily="49" charset="0"/>
-                <a:cs typeface="Courier New" panose="02070309020205020404" pitchFamily="49" charset="0"/>
-              </a:rPr>
-              <a:t>    version="1.0",</a:t>
-            </a:r>
-          </a:p>
-          <a:p>
-            <a:r>
-              <a:rPr lang="en-US">
-                <a:solidFill>
-                  <a:schemeClr val="accent1">
-                    <a:lumMod val="20000"/>
-                    <a:lumOff val="80000"/>
-                  </a:schemeClr>
-                </a:solidFill>
-                <a:latin typeface="Courier New" panose="02070309020205020404" pitchFamily="49" charset="0"/>
-                <a:cs typeface="Courier New" panose="02070309020205020404" pitchFamily="49" charset="0"/>
-              </a:rPr>
-              <a:t>    options={"build_exe":  {"packages": ["pygame", "mediapipe", "cv2", "os"],</a:t>
-            </a:r>
-          </a:p>
-          <a:p>
-            <a:r>
-              <a:rPr lang="en-US">
-                <a:solidFill>
-                  <a:schemeClr val="accent1">
-                    <a:lumMod val="20000"/>
-                    <a:lumOff val="80000"/>
-                  </a:schemeClr>
-                </a:solidFill>
-                <a:latin typeface="Courier New" panose="02070309020205020404" pitchFamily="49" charset="0"/>
-                <a:cs typeface="Courier New" panose="02070309020205020404" pitchFamily="49" charset="0"/>
-              </a:rPr>
-              <a:t>                            "include_files": ["songs", "games", "SuperLegendBoy.ttf"]}},</a:t>
-            </a:r>
-          </a:p>
-          <a:p>
-            <a:r>
-              <a:rPr lang="en-US">
-                <a:solidFill>
-                  <a:schemeClr val="accent1">
-                    <a:lumMod val="20000"/>
-                    <a:lumOff val="80000"/>
-                  </a:schemeClr>
-                </a:solidFill>
-                <a:latin typeface="Courier New" panose="02070309020205020404" pitchFamily="49" charset="0"/>
-                <a:cs typeface="Courier New" panose="02070309020205020404" pitchFamily="49" charset="0"/>
-              </a:rPr>
-              <a:t>    executables=[target])</a:t>
-            </a:r>
-          </a:p>
-        </p:txBody>
-      </p:sp>
-      <p:sp>
-        <p:nvSpPr>
-          <p:cNvPr id="7" name="Rectangle 6"/>
-          <p:cNvSpPr/>
-          <p:nvPr/>
-        </p:nvSpPr>
-        <p:spPr>
-          <a:xfrm>
-            <a:off x="646110" y="5998100"/>
-            <a:ext cx="9876115" cy="400110"/>
-          </a:xfrm>
-          <a:prstGeom prst="rect">
-            <a:avLst/>
-          </a:prstGeom>
-        </p:spPr>
-        <p:txBody>
-          <a:bodyPr wrap="square">
-            <a:spAutoFit/>
-          </a:bodyPr>
-          <a:lstStyle/>
-          <a:p>
-            <a:r>
-              <a:rPr lang="en-US" sz="2000" smtClean="0">
+            <a:r>
+              <a:rPr lang="en-US" sz="2400" smtClean="0">
                 <a:latin typeface="Times New Roman" panose="02020603050405020304" pitchFamily="18" charset="0"/>
                 <a:cs typeface="Times New Roman" panose="02020603050405020304" pitchFamily="18" charset="0"/>
               </a:rPr>
-              <a:t>-</a:t>
-            </a:r>
-            <a:r>
-              <a:rPr lang="vi-VN" sz="2000" smtClean="0">
-                <a:latin typeface="Times New Roman" panose="02020603050405020304" pitchFamily="18" charset="0"/>
-                <a:cs typeface="Times New Roman" panose="02020603050405020304" pitchFamily="18" charset="0"/>
-              </a:rPr>
-              <a:t> Chạy câu lệnh trên Terminal để bắt đầu khởi tạo app: </a:t>
-            </a:r>
-            <a:r>
-              <a:rPr lang="en-US" sz="2000">
+              <a:t>Trong terminal</a:t>
+            </a:r>
+            <a:r>
+              <a:rPr lang="en-US" sz="2400" smtClean="0"/>
+              <a:t>, </a:t>
+            </a:r>
+            <a:r>
+              <a:rPr lang="vi-VN" sz="2400" smtClean="0"/>
+              <a:t>sử dụng câu lệnh </a:t>
+            </a:r>
+            <a:r>
+              <a:rPr lang="vi-VN" sz="2400" smtClean="0">
+                <a:solidFill>
+                  <a:schemeClr val="accent1">
+                    <a:lumMod val="20000"/>
+                    <a:lumOff val="80000"/>
+                  </a:schemeClr>
+                </a:solidFill>
                 <a:latin typeface="Courier New" panose="02070309020205020404" pitchFamily="49" charset="0"/>
                 <a:cs typeface="Courier New" panose="02070309020205020404" pitchFamily="49" charset="0"/>
               </a:rPr>
-              <a:t>python thucthi.py build</a:t>
-            </a:r>
+              <a:t>pyinstaller ASL.spec </a:t>
+            </a:r>
+            <a:r>
+              <a:rPr lang="vi-VN" sz="2400" smtClean="0"/>
+              <a:t>để bắt đầu khởi tạo file</a:t>
+            </a:r>
+          </a:p>
+          <a:p>
+            <a:pPr>
+              <a:buFontTx/>
+              <a:buChar char="-"/>
+            </a:pPr>
+            <a:r>
+              <a:rPr lang="vi-VN" sz="2400" smtClean="0"/>
+              <a:t> Sau khi terminal hoàn tất, bạn có thể vào thư mục </a:t>
+            </a:r>
+            <a:r>
+              <a:rPr lang="vi-VN" sz="2400" smtClean="0">
+                <a:solidFill>
+                  <a:schemeClr val="accent1">
+                    <a:lumMod val="20000"/>
+                    <a:lumOff val="80000"/>
+                  </a:schemeClr>
+                </a:solidFill>
+              </a:rPr>
+              <a:t>dist</a:t>
+            </a:r>
+            <a:r>
+              <a:rPr lang="vi-VN" sz="2400" smtClean="0"/>
+              <a:t> mới được tạo và chạy file ASL.exe .</a:t>
+            </a:r>
+            <a:endParaRPr lang="en-US" sz="2400"/>
           </a:p>
         </p:txBody>
       </p:sp>
@@ -9293,27 +9086,7 @@
                 <a:latin typeface="Times New Roman" panose="02020603050405020304" pitchFamily="18" charset="0"/>
                 <a:cs typeface="Times New Roman" panose="02020603050405020304" pitchFamily="18" charset="0"/>
               </a:rPr>
-              <a:t>3/Additional </a:t>
-            </a:r>
-            <a:r>
-              <a:rPr lang="en-US" sz="3600" smtClean="0">
-                <a:solidFill>
-                  <a:srgbClr val="00B0F0"/>
-                </a:solidFill>
-                <a:latin typeface="Times New Roman" panose="02020603050405020304" pitchFamily="18" charset="0"/>
-                <a:cs typeface="Times New Roman" panose="02020603050405020304" pitchFamily="18" charset="0"/>
-              </a:rPr>
-              <a:t>Features</a:t>
-            </a:r>
-            <a:r>
-              <a:rPr lang="en-US" sz="3600" smtClean="0">
-                <a:solidFill>
-                  <a:srgbClr val="00B0F0"/>
-                </a:solidFill>
-                <a:latin typeface="Times New Roman" panose="02020603050405020304" pitchFamily="18" charset="0"/>
-                <a:cs typeface="Times New Roman" panose="02020603050405020304" pitchFamily="18" charset="0"/>
-              </a:rPr>
-              <a:t/>
+              <a:t>3/Additional Features</a:t>
             </a:r>
             <a:br>
               <a:rPr lang="en-US" sz="3600" smtClean="0">
@@ -10700,11 +10473,7 @@
             </a:pPr>
             <a:r>
               <a:rPr lang="vi-VN" sz="2400" smtClean="0"/>
-              <a:t>- </a:t>
-            </a:r>
-            <a:r>
-              <a:rPr lang="vi-VN" sz="2400" smtClean="0"/>
-              <a:t>Sử </a:t>
+              <a:t>- Sử </a:t>
             </a:r>
             <a:r>
               <a:rPr lang="vi-VN" sz="2400"/>
